--- a/PHP & MySql.pptx
+++ b/PHP & MySql.pptx
@@ -16,6 +16,8 @@
     <p:sldId id="264" r:id="rId10"/>
     <p:sldId id="265" r:id="rId11"/>
     <p:sldId id="266" r:id="rId12"/>
+    <p:sldId id="267" r:id="rId13"/>
+    <p:sldId id="268" r:id="rId14"/>
   </p:sldIdLst>
   <p:sldSz cx="9144000" cy="6858000" type="screen4x3"/>
   <p:notesSz cx="6858000" cy="9144000"/>
@@ -298,7 +300,7 @@
           <a:p>
             <a:fld id="{5DE14927-BA3A-42FF-8AB0-F57682D9472F}" type="datetimeFigureOut">
               <a:rPr lang="en-US" smtClean="0"/>
-              <a:t>11/14/2019</a:t>
+              <a:t>11/18/2019</a:t>
             </a:fld>
             <a:endParaRPr lang="en-US"/>
           </a:p>
@@ -468,7 +470,7 @@
           <a:p>
             <a:fld id="{5DE14927-BA3A-42FF-8AB0-F57682D9472F}" type="datetimeFigureOut">
               <a:rPr lang="en-US" smtClean="0"/>
-              <a:t>11/14/2019</a:t>
+              <a:t>11/18/2019</a:t>
             </a:fld>
             <a:endParaRPr lang="en-US"/>
           </a:p>
@@ -648,7 +650,7 @@
           <a:p>
             <a:fld id="{5DE14927-BA3A-42FF-8AB0-F57682D9472F}" type="datetimeFigureOut">
               <a:rPr lang="en-US" smtClean="0"/>
-              <a:t>11/14/2019</a:t>
+              <a:t>11/18/2019</a:t>
             </a:fld>
             <a:endParaRPr lang="en-US"/>
           </a:p>
@@ -818,7 +820,7 @@
           <a:p>
             <a:fld id="{5DE14927-BA3A-42FF-8AB0-F57682D9472F}" type="datetimeFigureOut">
               <a:rPr lang="en-US" smtClean="0"/>
-              <a:t>11/14/2019</a:t>
+              <a:t>11/18/2019</a:t>
             </a:fld>
             <a:endParaRPr lang="en-US"/>
           </a:p>
@@ -1064,7 +1066,7 @@
           <a:p>
             <a:fld id="{5DE14927-BA3A-42FF-8AB0-F57682D9472F}" type="datetimeFigureOut">
               <a:rPr lang="en-US" smtClean="0"/>
-              <a:t>11/14/2019</a:t>
+              <a:t>11/18/2019</a:t>
             </a:fld>
             <a:endParaRPr lang="en-US"/>
           </a:p>
@@ -1352,7 +1354,7 @@
           <a:p>
             <a:fld id="{5DE14927-BA3A-42FF-8AB0-F57682D9472F}" type="datetimeFigureOut">
               <a:rPr lang="en-US" smtClean="0"/>
-              <a:t>11/14/2019</a:t>
+              <a:t>11/18/2019</a:t>
             </a:fld>
             <a:endParaRPr lang="en-US"/>
           </a:p>
@@ -1774,7 +1776,7 @@
           <a:p>
             <a:fld id="{5DE14927-BA3A-42FF-8AB0-F57682D9472F}" type="datetimeFigureOut">
               <a:rPr lang="en-US" smtClean="0"/>
-              <a:t>11/14/2019</a:t>
+              <a:t>11/18/2019</a:t>
             </a:fld>
             <a:endParaRPr lang="en-US"/>
           </a:p>
@@ -1892,7 +1894,7 @@
           <a:p>
             <a:fld id="{5DE14927-BA3A-42FF-8AB0-F57682D9472F}" type="datetimeFigureOut">
               <a:rPr lang="en-US" smtClean="0"/>
-              <a:t>11/14/2019</a:t>
+              <a:t>11/18/2019</a:t>
             </a:fld>
             <a:endParaRPr lang="en-US"/>
           </a:p>
@@ -1987,7 +1989,7 @@
           <a:p>
             <a:fld id="{5DE14927-BA3A-42FF-8AB0-F57682D9472F}" type="datetimeFigureOut">
               <a:rPr lang="en-US" smtClean="0"/>
-              <a:t>11/14/2019</a:t>
+              <a:t>11/18/2019</a:t>
             </a:fld>
             <a:endParaRPr lang="en-US"/>
           </a:p>
@@ -2264,7 +2266,7 @@
           <a:p>
             <a:fld id="{5DE14927-BA3A-42FF-8AB0-F57682D9472F}" type="datetimeFigureOut">
               <a:rPr lang="en-US" smtClean="0"/>
-              <a:t>11/14/2019</a:t>
+              <a:t>11/18/2019</a:t>
             </a:fld>
             <a:endParaRPr lang="en-US"/>
           </a:p>
@@ -2517,7 +2519,7 @@
           <a:p>
             <a:fld id="{5DE14927-BA3A-42FF-8AB0-F57682D9472F}" type="datetimeFigureOut">
               <a:rPr lang="en-US" smtClean="0"/>
-              <a:t>11/14/2019</a:t>
+              <a:t>11/18/2019</a:t>
             </a:fld>
             <a:endParaRPr lang="en-US"/>
           </a:p>
@@ -2730,7 +2732,7 @@
           <a:p>
             <a:fld id="{5DE14927-BA3A-42FF-8AB0-F57682D9472F}" type="datetimeFigureOut">
               <a:rPr lang="en-US" smtClean="0"/>
-              <a:t>11/14/2019</a:t>
+              <a:t>11/18/2019</a:t>
             </a:fld>
             <a:endParaRPr lang="en-US"/>
           </a:p>
@@ -3547,10 +3549,831 @@
           <a:chExt cx="0" cy="0"/>
         </a:xfrm>
       </p:grpSpPr>
+      <p:sp>
+        <p:nvSpPr>
+          <p:cNvPr id="3" name="Rectangle 2"/>
+          <p:cNvSpPr/>
+          <p:nvPr/>
+        </p:nvSpPr>
+        <p:spPr>
+          <a:xfrm>
+            <a:off x="228600" y="152400"/>
+            <a:ext cx="8382000" cy="5909310"/>
+          </a:xfrm>
+          <a:prstGeom prst="rect">
+            <a:avLst/>
+          </a:prstGeom>
+        </p:spPr>
+        <p:txBody>
+          <a:bodyPr wrap="square">
+            <a:spAutoFit/>
+          </a:bodyPr>
+          <a:lstStyle/>
+          <a:p>
+            <a:r>
+              <a:rPr lang="en-US" dirty="0"/>
+              <a:t>&lt;?</a:t>
+            </a:r>
+            <a:r>
+              <a:rPr lang="en-US" dirty="0" err="1"/>
+              <a:t>php</a:t>
+            </a:r>
+            <a:endParaRPr lang="en-US" dirty="0"/>
+          </a:p>
+          <a:p>
+            <a:r>
+              <a:rPr lang="en-US" dirty="0" err="1"/>
+              <a:t>include_once</a:t>
+            </a:r>
+            <a:r>
+              <a:rPr lang="en-US" dirty="0"/>
+              <a:t> '</a:t>
+            </a:r>
+            <a:r>
+              <a:rPr lang="en-US" dirty="0" err="1"/>
+              <a:t>database.php</a:t>
+            </a:r>
+            <a:r>
+              <a:rPr lang="en-US" dirty="0"/>
+              <a:t>';</a:t>
+            </a:r>
+          </a:p>
+          <a:p>
+            <a:r>
+              <a:rPr lang="en-US" dirty="0"/>
+              <a:t>$result = </a:t>
+            </a:r>
+            <a:r>
+              <a:rPr lang="en-US" dirty="0" err="1"/>
+              <a:t>mysqli_query</a:t>
+            </a:r>
+            <a:r>
+              <a:rPr lang="en-US" dirty="0"/>
+              <a:t>($</a:t>
+            </a:r>
+            <a:r>
+              <a:rPr lang="en-US" dirty="0" err="1"/>
+              <a:t>conn,"SELECT</a:t>
+            </a:r>
+            <a:r>
+              <a:rPr lang="en-US" dirty="0"/>
+              <a:t> * FROM </a:t>
+            </a:r>
+            <a:r>
+              <a:rPr lang="en-US" dirty="0" err="1"/>
+              <a:t>myusers</a:t>
+            </a:r>
+            <a:r>
+              <a:rPr lang="en-US" dirty="0"/>
+              <a:t>");</a:t>
+            </a:r>
+          </a:p>
+          <a:p>
+            <a:r>
+              <a:rPr lang="en-US" dirty="0"/>
+              <a:t>?&gt;</a:t>
+            </a:r>
+          </a:p>
+          <a:p>
+            <a:r>
+              <a:rPr lang="en-US" dirty="0"/>
+              <a:t>&lt;!DOCTYPE html&gt;</a:t>
+            </a:r>
+          </a:p>
+          <a:p>
+            <a:r>
+              <a:rPr lang="en-US" dirty="0"/>
+              <a:t>&lt;html&gt;</a:t>
+            </a:r>
+          </a:p>
+          <a:p>
+            <a:r>
+              <a:rPr lang="en-US" dirty="0"/>
+              <a:t> &lt;head&gt;</a:t>
+            </a:r>
+          </a:p>
+          <a:p>
+            <a:r>
+              <a:rPr lang="en-US" dirty="0"/>
+              <a:t> &lt;title&gt; </a:t>
+            </a:r>
+            <a:r>
+              <a:rPr lang="en-US" dirty="0" err="1"/>
+              <a:t>Retrive</a:t>
+            </a:r>
+            <a:r>
+              <a:rPr lang="en-US" dirty="0"/>
+              <a:t> data&lt;/title&gt;</a:t>
+            </a:r>
+          </a:p>
+          <a:p>
+            <a:r>
+              <a:rPr lang="en-US" dirty="0"/>
+              <a:t> &lt;/head&gt;</a:t>
+            </a:r>
+          </a:p>
+          <a:p>
+            <a:r>
+              <a:rPr lang="en-US" dirty="0"/>
+              <a:t>&lt;body&gt;</a:t>
+            </a:r>
+          </a:p>
+          <a:p>
+            <a:r>
+              <a:rPr lang="en-US" dirty="0"/>
+              <a:t>&lt;?</a:t>
+            </a:r>
+            <a:r>
+              <a:rPr lang="en-US" dirty="0" err="1"/>
+              <a:t>php</a:t>
+            </a:r>
+            <a:endParaRPr lang="en-US" dirty="0"/>
+          </a:p>
+          <a:p>
+            <a:r>
+              <a:rPr lang="en-US" dirty="0"/>
+              <a:t>if (</a:t>
+            </a:r>
+            <a:r>
+              <a:rPr lang="en-US" dirty="0" err="1"/>
+              <a:t>mysqli_num_rows</a:t>
+            </a:r>
+            <a:r>
+              <a:rPr lang="en-US" dirty="0"/>
+              <a:t>($result) &gt; 0) {</a:t>
+            </a:r>
+          </a:p>
+          <a:p>
+            <a:r>
+              <a:rPr lang="en-US" dirty="0"/>
+              <a:t>?&gt;</a:t>
+            </a:r>
+          </a:p>
+          <a:p>
+            <a:r>
+              <a:rPr lang="en-US" dirty="0"/>
+              <a:t>  &lt;table&gt;</a:t>
+            </a:r>
+          </a:p>
+          <a:p>
+            <a:r>
+              <a:rPr lang="en-US" dirty="0"/>
+              <a:t>  </a:t>
+            </a:r>
+          </a:p>
+          <a:p>
+            <a:r>
+              <a:rPr lang="en-US" dirty="0"/>
+              <a:t>  &lt;</a:t>
+            </a:r>
+            <a:r>
+              <a:rPr lang="en-US" dirty="0" err="1"/>
+              <a:t>tr</a:t>
+            </a:r>
+            <a:r>
+              <a:rPr lang="en-US" dirty="0"/>
+              <a:t>&gt;</a:t>
+            </a:r>
+          </a:p>
+          <a:p>
+            <a:r>
+              <a:rPr lang="en-US" dirty="0"/>
+              <a:t>    &lt;td&gt;First Name&lt;/td&gt;</a:t>
+            </a:r>
+          </a:p>
+          <a:p>
+            <a:r>
+              <a:rPr lang="en-US" dirty="0"/>
+              <a:t>    &lt;td&gt;Last Name&lt;/td&gt;</a:t>
+            </a:r>
+          </a:p>
+          <a:p>
+            <a:r>
+              <a:rPr lang="en-US" dirty="0"/>
+              <a:t>    &lt;td&gt;City&lt;/td&gt;</a:t>
+            </a:r>
+          </a:p>
+          <a:p>
+            <a:r>
+              <a:rPr lang="en-US" dirty="0"/>
+              <a:t>    &lt;td&gt;Email id&lt;/td&gt;</a:t>
+            </a:r>
+          </a:p>
+          <a:p>
+            <a:r>
+              <a:rPr lang="en-US" dirty="0"/>
+              <a:t>  &lt;/</a:t>
+            </a:r>
+            <a:r>
+              <a:rPr lang="en-US" dirty="0" err="1"/>
+              <a:t>tr</a:t>
+            </a:r>
+            <a:r>
+              <a:rPr lang="en-US" dirty="0" smtClean="0"/>
+              <a:t>&gt;</a:t>
+            </a:r>
+            <a:endParaRPr lang="en-US" dirty="0"/>
+          </a:p>
+        </p:txBody>
+      </p:sp>
     </p:spTree>
     <p:extLst>
       <p:ext uri="{BB962C8B-B14F-4D97-AF65-F5344CB8AC3E}">
         <p14:creationId xmlns:p14="http://schemas.microsoft.com/office/powerpoint/2010/main" val="3971488748"/>
+      </p:ext>
+    </p:extLst>
+  </p:cSld>
+  <p:clrMapOvr>
+    <a:masterClrMapping/>
+  </p:clrMapOvr>
+</p:sld>
+</file>
+
+<file path=ppt/slides/slide12.xml><?xml version="1.0" encoding="utf-8"?>
+<p:sld xmlns:a="http://schemas.openxmlformats.org/drawingml/2006/main" xmlns:r="http://schemas.openxmlformats.org/officeDocument/2006/relationships" xmlns:p="http://schemas.openxmlformats.org/presentationml/2006/main">
+  <p:cSld>
+    <p:spTree>
+      <p:nvGrpSpPr>
+        <p:cNvPr id="1" name=""/>
+        <p:cNvGrpSpPr/>
+        <p:nvPr/>
+      </p:nvGrpSpPr>
+      <p:grpSpPr>
+        <a:xfrm>
+          <a:off x="0" y="0"/>
+          <a:ext cx="0" cy="0"/>
+          <a:chOff x="0" y="0"/>
+          <a:chExt cx="0" cy="0"/>
+        </a:xfrm>
+      </p:grpSpPr>
+      <p:sp>
+        <p:nvSpPr>
+          <p:cNvPr id="2" name="Rectangle 1"/>
+          <p:cNvSpPr/>
+          <p:nvPr/>
+        </p:nvSpPr>
+        <p:spPr>
+          <a:xfrm>
+            <a:off x="152400" y="117693"/>
+            <a:ext cx="8001000" cy="6740307"/>
+          </a:xfrm>
+          <a:prstGeom prst="rect">
+            <a:avLst/>
+          </a:prstGeom>
+        </p:spPr>
+        <p:txBody>
+          <a:bodyPr wrap="square">
+            <a:spAutoFit/>
+          </a:bodyPr>
+          <a:lstStyle/>
+          <a:p>
+            <a:r>
+              <a:rPr lang="en-US" dirty="0"/>
+              <a:t>&lt;?</a:t>
+            </a:r>
+            <a:r>
+              <a:rPr lang="en-US" dirty="0" err="1"/>
+              <a:t>php</a:t>
+            </a:r>
+            <a:endParaRPr lang="en-US" dirty="0"/>
+          </a:p>
+          <a:p>
+            <a:r>
+              <a:rPr lang="en-US" dirty="0"/>
+              <a:t>$i=0;</a:t>
+            </a:r>
+          </a:p>
+          <a:p>
+            <a:r>
+              <a:rPr lang="en-US" dirty="0"/>
+              <a:t>while($row = </a:t>
+            </a:r>
+            <a:r>
+              <a:rPr lang="en-US" dirty="0" err="1"/>
+              <a:t>mysqli_fetch_array</a:t>
+            </a:r>
+            <a:r>
+              <a:rPr lang="en-US" dirty="0"/>
+              <a:t>($result)) {</a:t>
+            </a:r>
+          </a:p>
+          <a:p>
+            <a:r>
+              <a:rPr lang="en-US" dirty="0"/>
+              <a:t>?&gt;</a:t>
+            </a:r>
+          </a:p>
+          <a:p>
+            <a:r>
+              <a:rPr lang="en-US" dirty="0"/>
+              <a:t>&lt;</a:t>
+            </a:r>
+            <a:r>
+              <a:rPr lang="en-US" dirty="0" err="1"/>
+              <a:t>tr</a:t>
+            </a:r>
+            <a:r>
+              <a:rPr lang="en-US" dirty="0"/>
+              <a:t>&gt;</a:t>
+            </a:r>
+          </a:p>
+          <a:p>
+            <a:r>
+              <a:rPr lang="en-US" dirty="0"/>
+              <a:t>    &lt;td&gt;&lt;?</a:t>
+            </a:r>
+            <a:r>
+              <a:rPr lang="en-US" dirty="0" err="1"/>
+              <a:t>php</a:t>
+            </a:r>
+            <a:r>
+              <a:rPr lang="en-US" dirty="0"/>
+              <a:t> echo $row["</a:t>
+            </a:r>
+            <a:r>
+              <a:rPr lang="en-US" dirty="0" err="1"/>
+              <a:t>first_name</a:t>
+            </a:r>
+            <a:r>
+              <a:rPr lang="en-US" dirty="0"/>
+              <a:t>"]; ?&gt;&lt;/td&gt;</a:t>
+            </a:r>
+          </a:p>
+          <a:p>
+            <a:r>
+              <a:rPr lang="en-US" dirty="0"/>
+              <a:t>    &lt;td&gt;&lt;?</a:t>
+            </a:r>
+            <a:r>
+              <a:rPr lang="en-US" dirty="0" err="1"/>
+              <a:t>php</a:t>
+            </a:r>
+            <a:r>
+              <a:rPr lang="en-US" dirty="0"/>
+              <a:t> echo $row["</a:t>
+            </a:r>
+            <a:r>
+              <a:rPr lang="en-US" dirty="0" err="1"/>
+              <a:t>last_name</a:t>
+            </a:r>
+            <a:r>
+              <a:rPr lang="en-US" dirty="0"/>
+              <a:t>"]; ?&gt;&lt;/td&gt;</a:t>
+            </a:r>
+          </a:p>
+          <a:p>
+            <a:r>
+              <a:rPr lang="en-US" dirty="0"/>
+              <a:t>    &lt;td&gt;&lt;?</a:t>
+            </a:r>
+            <a:r>
+              <a:rPr lang="en-US" dirty="0" err="1"/>
+              <a:t>php</a:t>
+            </a:r>
+            <a:r>
+              <a:rPr lang="en-US" dirty="0"/>
+              <a:t> echo $row["</a:t>
+            </a:r>
+            <a:r>
+              <a:rPr lang="en-US" dirty="0" err="1"/>
+              <a:t>city_name</a:t>
+            </a:r>
+            <a:r>
+              <a:rPr lang="en-US" dirty="0"/>
+              <a:t>"]; ?&gt;&lt;/td&gt;</a:t>
+            </a:r>
+          </a:p>
+          <a:p>
+            <a:r>
+              <a:rPr lang="en-US" dirty="0"/>
+              <a:t>    &lt;td&gt;&lt;?</a:t>
+            </a:r>
+            <a:r>
+              <a:rPr lang="en-US" dirty="0" err="1"/>
+              <a:t>php</a:t>
+            </a:r>
+            <a:r>
+              <a:rPr lang="en-US" dirty="0"/>
+              <a:t> echo $row["email"]; ?&gt;&lt;/td&gt;</a:t>
+            </a:r>
+          </a:p>
+          <a:p>
+            <a:r>
+              <a:rPr lang="en-US" dirty="0"/>
+              <a:t>&lt;/</a:t>
+            </a:r>
+            <a:r>
+              <a:rPr lang="en-US" dirty="0" err="1"/>
+              <a:t>tr</a:t>
+            </a:r>
+            <a:r>
+              <a:rPr lang="en-US" dirty="0"/>
+              <a:t>&gt;</a:t>
+            </a:r>
+          </a:p>
+          <a:p>
+            <a:r>
+              <a:rPr lang="en-US" dirty="0"/>
+              <a:t>&lt;?</a:t>
+            </a:r>
+            <a:r>
+              <a:rPr lang="en-US" dirty="0" err="1"/>
+              <a:t>php</a:t>
+            </a:r>
+            <a:endParaRPr lang="en-US" dirty="0"/>
+          </a:p>
+          <a:p>
+            <a:r>
+              <a:rPr lang="en-US" dirty="0"/>
+              <a:t>$i++;</a:t>
+            </a:r>
+          </a:p>
+          <a:p>
+            <a:r>
+              <a:rPr lang="en-US" dirty="0"/>
+              <a:t>}</a:t>
+            </a:r>
+          </a:p>
+          <a:p>
+            <a:r>
+              <a:rPr lang="en-US" dirty="0"/>
+              <a:t>?&gt;</a:t>
+            </a:r>
+          </a:p>
+          <a:p>
+            <a:r>
+              <a:rPr lang="en-US" dirty="0"/>
+              <a:t>&lt;/table&gt;</a:t>
+            </a:r>
+          </a:p>
+          <a:p>
+            <a:r>
+              <a:rPr lang="en-US" dirty="0"/>
+              <a:t> &lt;?</a:t>
+            </a:r>
+            <a:r>
+              <a:rPr lang="en-US" dirty="0" err="1"/>
+              <a:t>php</a:t>
+            </a:r>
+            <a:endParaRPr lang="en-US" dirty="0"/>
+          </a:p>
+          <a:p>
+            <a:r>
+              <a:rPr lang="en-US" dirty="0"/>
+              <a:t>}</a:t>
+            </a:r>
+          </a:p>
+          <a:p>
+            <a:r>
+              <a:rPr lang="en-US" dirty="0"/>
+              <a:t>else{</a:t>
+            </a:r>
+          </a:p>
+          <a:p>
+            <a:r>
+              <a:rPr lang="en-US" dirty="0"/>
+              <a:t>    echo "No result found";</a:t>
+            </a:r>
+          </a:p>
+          <a:p>
+            <a:r>
+              <a:rPr lang="en-US" dirty="0"/>
+              <a:t>}</a:t>
+            </a:r>
+          </a:p>
+          <a:p>
+            <a:r>
+              <a:rPr lang="en-US" dirty="0"/>
+              <a:t>?&gt;</a:t>
+            </a:r>
+          </a:p>
+          <a:p>
+            <a:r>
+              <a:rPr lang="en-US" dirty="0"/>
+              <a:t> &lt;/body&gt;</a:t>
+            </a:r>
+          </a:p>
+          <a:p>
+            <a:r>
+              <a:rPr lang="en-US" dirty="0"/>
+              <a:t>&lt;/html&gt;</a:t>
+            </a:r>
+          </a:p>
+          <a:p>
+            <a:endParaRPr lang="en-US" dirty="0"/>
+          </a:p>
+        </p:txBody>
+      </p:sp>
+    </p:spTree>
+    <p:extLst>
+      <p:ext uri="{BB962C8B-B14F-4D97-AF65-F5344CB8AC3E}">
+        <p14:creationId xmlns:p14="http://schemas.microsoft.com/office/powerpoint/2010/main" val="1445736987"/>
+      </p:ext>
+    </p:extLst>
+  </p:cSld>
+  <p:clrMapOvr>
+    <a:masterClrMapping/>
+  </p:clrMapOvr>
+</p:sld>
+</file>
+
+<file path=ppt/slides/slide13.xml><?xml version="1.0" encoding="utf-8"?>
+<p:sld xmlns:a="http://schemas.openxmlformats.org/drawingml/2006/main" xmlns:r="http://schemas.openxmlformats.org/officeDocument/2006/relationships" xmlns:p="http://schemas.openxmlformats.org/presentationml/2006/main">
+  <p:cSld>
+    <p:spTree>
+      <p:nvGrpSpPr>
+        <p:cNvPr id="1" name=""/>
+        <p:cNvGrpSpPr/>
+        <p:nvPr/>
+      </p:nvGrpSpPr>
+      <p:grpSpPr>
+        <a:xfrm>
+          <a:off x="0" y="0"/>
+          <a:ext cx="0" cy="0"/>
+          <a:chOff x="0" y="0"/>
+          <a:chExt cx="0" cy="0"/>
+        </a:xfrm>
+      </p:grpSpPr>
+      <p:sp>
+        <p:nvSpPr>
+          <p:cNvPr id="2" name="TextBox 1"/>
+          <p:cNvSpPr txBox="1"/>
+          <p:nvPr/>
+        </p:nvSpPr>
+        <p:spPr>
+          <a:xfrm>
+            <a:off x="13855" y="87684"/>
+            <a:ext cx="1432315" cy="369332"/>
+          </a:xfrm>
+          <a:prstGeom prst="rect">
+            <a:avLst/>
+          </a:prstGeom>
+          <a:noFill/>
+        </p:spPr>
+        <p:txBody>
+          <a:bodyPr wrap="none" rtlCol="0">
+            <a:spAutoFit/>
+          </a:bodyPr>
+          <a:lstStyle/>
+          <a:p>
+            <a:r>
+              <a:rPr lang="en-US" dirty="0" smtClean="0">
+                <a:solidFill>
+                  <a:srgbClr val="FF0000"/>
+                </a:solidFill>
+              </a:rPr>
+              <a:t>Insert Record</a:t>
+            </a:r>
+            <a:endParaRPr lang="en-US" dirty="0">
+              <a:solidFill>
+                <a:srgbClr val="FF0000"/>
+              </a:solidFill>
+            </a:endParaRPr>
+          </a:p>
+        </p:txBody>
+      </p:sp>
+      <p:sp>
+        <p:nvSpPr>
+          <p:cNvPr id="4" name="Rectangle 3"/>
+          <p:cNvSpPr/>
+          <p:nvPr/>
+        </p:nvSpPr>
+        <p:spPr>
+          <a:xfrm>
+            <a:off x="381000" y="612845"/>
+            <a:ext cx="7924800" cy="4524315"/>
+          </a:xfrm>
+          <a:prstGeom prst="rect">
+            <a:avLst/>
+          </a:prstGeom>
+        </p:spPr>
+        <p:txBody>
+          <a:bodyPr wrap="square">
+            <a:spAutoFit/>
+          </a:bodyPr>
+          <a:lstStyle/>
+          <a:p>
+            <a:r>
+              <a:rPr lang="en-US" dirty="0"/>
+              <a:t>if(</a:t>
+            </a:r>
+            <a:r>
+              <a:rPr lang="en-US" dirty="0" err="1"/>
+              <a:t>isset</a:t>
+            </a:r>
+            <a:r>
+              <a:rPr lang="en-US" dirty="0"/>
+              <a:t>($_POST['save']))</a:t>
+            </a:r>
+          </a:p>
+          <a:p>
+            <a:r>
+              <a:rPr lang="en-US" dirty="0"/>
+              <a:t>{	 </a:t>
+            </a:r>
+          </a:p>
+          <a:p>
+            <a:r>
+              <a:rPr lang="en-US" dirty="0"/>
+              <a:t>	 $</a:t>
+            </a:r>
+            <a:r>
+              <a:rPr lang="en-US" dirty="0" err="1"/>
+              <a:t>first_name</a:t>
+            </a:r>
+            <a:r>
+              <a:rPr lang="en-US" dirty="0"/>
+              <a:t> = $_POST['</a:t>
+            </a:r>
+            <a:r>
+              <a:rPr lang="en-US" dirty="0" err="1"/>
+              <a:t>first_name</a:t>
+            </a:r>
+            <a:r>
+              <a:rPr lang="en-US" dirty="0"/>
+              <a:t>'];</a:t>
+            </a:r>
+          </a:p>
+          <a:p>
+            <a:r>
+              <a:rPr lang="en-US" dirty="0"/>
+              <a:t>	 $</a:t>
+            </a:r>
+            <a:r>
+              <a:rPr lang="en-US" dirty="0" err="1"/>
+              <a:t>last_name</a:t>
+            </a:r>
+            <a:r>
+              <a:rPr lang="en-US" dirty="0"/>
+              <a:t> = $_POST['</a:t>
+            </a:r>
+            <a:r>
+              <a:rPr lang="en-US" dirty="0" err="1"/>
+              <a:t>last_name</a:t>
+            </a:r>
+            <a:r>
+              <a:rPr lang="en-US" dirty="0"/>
+              <a:t>'];</a:t>
+            </a:r>
+          </a:p>
+          <a:p>
+            <a:r>
+              <a:rPr lang="en-US" dirty="0"/>
+              <a:t>	 $</a:t>
+            </a:r>
+            <a:r>
+              <a:rPr lang="en-US" dirty="0" err="1"/>
+              <a:t>city_name</a:t>
+            </a:r>
+            <a:r>
+              <a:rPr lang="en-US" dirty="0"/>
+              <a:t> = $_POST['</a:t>
+            </a:r>
+            <a:r>
+              <a:rPr lang="en-US" dirty="0" err="1"/>
+              <a:t>city_name</a:t>
+            </a:r>
+            <a:r>
+              <a:rPr lang="en-US" dirty="0"/>
+              <a:t>'];</a:t>
+            </a:r>
+          </a:p>
+          <a:p>
+            <a:r>
+              <a:rPr lang="en-US" dirty="0"/>
+              <a:t>	 $email = $_POST['email'];</a:t>
+            </a:r>
+          </a:p>
+          <a:p>
+            <a:r>
+              <a:rPr lang="en-US" dirty="0"/>
+              <a:t>	 $</a:t>
+            </a:r>
+            <a:r>
+              <a:rPr lang="en-US" dirty="0" err="1"/>
+              <a:t>sql</a:t>
+            </a:r>
+            <a:r>
+              <a:rPr lang="en-US" dirty="0"/>
+              <a:t> = "INSERT INTO employee (</a:t>
+            </a:r>
+            <a:r>
+              <a:rPr lang="en-US" dirty="0" err="1"/>
+              <a:t>first_name,last_name,city_name,email</a:t>
+            </a:r>
+            <a:r>
+              <a:rPr lang="en-US" dirty="0"/>
+              <a:t>)</a:t>
+            </a:r>
+          </a:p>
+          <a:p>
+            <a:r>
+              <a:rPr lang="en-US" dirty="0"/>
+              <a:t>	 VALUES ('$</a:t>
+            </a:r>
+            <a:r>
+              <a:rPr lang="en-US" dirty="0" err="1"/>
+              <a:t>first_name','$last_name','$city_name','$email</a:t>
+            </a:r>
+            <a:r>
+              <a:rPr lang="en-US" dirty="0"/>
+              <a:t>')";</a:t>
+            </a:r>
+          </a:p>
+          <a:p>
+            <a:r>
+              <a:rPr lang="en-US" dirty="0"/>
+              <a:t>	 if (</a:t>
+            </a:r>
+            <a:r>
+              <a:rPr lang="en-US" dirty="0" err="1"/>
+              <a:t>mysqli_query</a:t>
+            </a:r>
+            <a:r>
+              <a:rPr lang="en-US" dirty="0"/>
+              <a:t>($conn, $</a:t>
+            </a:r>
+            <a:r>
+              <a:rPr lang="en-US" dirty="0" err="1"/>
+              <a:t>sql</a:t>
+            </a:r>
+            <a:r>
+              <a:rPr lang="en-US" dirty="0"/>
+              <a:t>)) {</a:t>
+            </a:r>
+          </a:p>
+          <a:p>
+            <a:r>
+              <a:rPr lang="en-US" dirty="0"/>
+              <a:t>		echo "New record created successfully !";</a:t>
+            </a:r>
+          </a:p>
+          <a:p>
+            <a:r>
+              <a:rPr lang="en-US" dirty="0"/>
+              <a:t>	 } else {</a:t>
+            </a:r>
+          </a:p>
+          <a:p>
+            <a:r>
+              <a:rPr lang="en-US" dirty="0"/>
+              <a:t>		echo "Error: " . $</a:t>
+            </a:r>
+            <a:r>
+              <a:rPr lang="en-US" dirty="0" err="1"/>
+              <a:t>sql</a:t>
+            </a:r>
+            <a:r>
+              <a:rPr lang="en-US" dirty="0"/>
+              <a:t> . "</a:t>
+            </a:r>
+          </a:p>
+          <a:p>
+            <a:r>
+              <a:rPr lang="en-US" dirty="0"/>
+              <a:t>" . </a:t>
+            </a:r>
+            <a:r>
+              <a:rPr lang="en-US" dirty="0" err="1"/>
+              <a:t>mysqli_error</a:t>
+            </a:r>
+            <a:r>
+              <a:rPr lang="en-US" dirty="0"/>
+              <a:t>($conn);</a:t>
+            </a:r>
+          </a:p>
+          <a:p>
+            <a:r>
+              <a:rPr lang="en-US" dirty="0"/>
+              <a:t>	 }</a:t>
+            </a:r>
+          </a:p>
+          <a:p>
+            <a:r>
+              <a:rPr lang="en-US" dirty="0"/>
+              <a:t>	 </a:t>
+            </a:r>
+            <a:r>
+              <a:rPr lang="en-US" dirty="0" err="1"/>
+              <a:t>mysqli_close</a:t>
+            </a:r>
+            <a:r>
+              <a:rPr lang="en-US" dirty="0"/>
+              <a:t>($conn);</a:t>
+            </a:r>
+          </a:p>
+          <a:p>
+            <a:r>
+              <a:rPr lang="en-US" dirty="0"/>
+              <a:t>}</a:t>
+            </a:r>
+          </a:p>
+        </p:txBody>
+      </p:sp>
+    </p:spTree>
+    <p:extLst>
+      <p:ext uri="{BB962C8B-B14F-4D97-AF65-F5344CB8AC3E}">
+        <p14:creationId xmlns:p14="http://schemas.microsoft.com/office/powerpoint/2010/main" val="2414125518"/>
       </p:ext>
     </p:extLst>
   </p:cSld>
